--- a/lectures/deep-learning.pptx
+++ b/lectures/deep-learning.pptx
@@ -235,7 +235,7 @@
           <a:p>
             <a:fld id="{8A1B613A-EFF1-404F-BEE8-EFAE84A4E5E2}" type="datetimeFigureOut">
               <a:rPr lang="en-US" smtClean="0"/>
-              <a:t>9/17/21</a:t>
+              <a:t>11/26/21</a:t>
             </a:fld>
             <a:endParaRPr lang="en-US"/>
           </a:p>
@@ -400,7 +400,7 @@
           <a:p>
             <a:fld id="{690847EA-AC25-3D4E-89E1-FD3F6A9702B6}" type="datetimeFigureOut">
               <a:rPr lang="en-US" smtClean="0"/>
-              <a:t>9/17/21</a:t>
+              <a:t>11/26/21</a:t>
             </a:fld>
             <a:endParaRPr lang="en-US"/>
           </a:p>
@@ -814,7 +814,7 @@
           <a:p>
             <a:fld id="{BE5295ED-3BAF-1140-8495-3D368771D6B1}" type="datetimeFigureOut">
               <a:rPr lang="en-US" smtClean="0"/>
-              <a:t>9/17/21</a:t>
+              <a:t>11/26/21</a:t>
             </a:fld>
             <a:endParaRPr lang="en-US"/>
           </a:p>
@@ -1012,7 +1012,7 @@
           <a:p>
             <a:fld id="{BE5295ED-3BAF-1140-8495-3D368771D6B1}" type="datetimeFigureOut">
               <a:rPr lang="en-US" smtClean="0"/>
-              <a:t>9/17/21</a:t>
+              <a:t>11/26/21</a:t>
             </a:fld>
             <a:endParaRPr lang="en-US"/>
           </a:p>
@@ -1220,7 +1220,7 @@
           <a:p>
             <a:fld id="{BE5295ED-3BAF-1140-8495-3D368771D6B1}" type="datetimeFigureOut">
               <a:rPr lang="en-US" smtClean="0"/>
-              <a:t>9/17/21</a:t>
+              <a:t>11/26/21</a:t>
             </a:fld>
             <a:endParaRPr lang="en-US"/>
           </a:p>
@@ -1418,7 +1418,7 @@
           <a:p>
             <a:fld id="{BE5295ED-3BAF-1140-8495-3D368771D6B1}" type="datetimeFigureOut">
               <a:rPr lang="en-US" smtClean="0"/>
-              <a:t>9/17/21</a:t>
+              <a:t>11/26/21</a:t>
             </a:fld>
             <a:endParaRPr lang="en-US"/>
           </a:p>
@@ -1693,7 +1693,7 @@
           <a:p>
             <a:fld id="{BE5295ED-3BAF-1140-8495-3D368771D6B1}" type="datetimeFigureOut">
               <a:rPr lang="en-US" smtClean="0"/>
-              <a:t>9/17/21</a:t>
+              <a:t>11/26/21</a:t>
             </a:fld>
             <a:endParaRPr lang="en-US"/>
           </a:p>
@@ -1958,7 +1958,7 @@
           <a:p>
             <a:fld id="{BE5295ED-3BAF-1140-8495-3D368771D6B1}" type="datetimeFigureOut">
               <a:rPr lang="en-US" smtClean="0"/>
-              <a:t>9/17/21</a:t>
+              <a:t>11/26/21</a:t>
             </a:fld>
             <a:endParaRPr lang="en-US"/>
           </a:p>
@@ -2370,7 +2370,7 @@
           <a:p>
             <a:fld id="{BE5295ED-3BAF-1140-8495-3D368771D6B1}" type="datetimeFigureOut">
               <a:rPr lang="en-US" smtClean="0"/>
-              <a:t>9/17/21</a:t>
+              <a:t>11/26/21</a:t>
             </a:fld>
             <a:endParaRPr lang="en-US"/>
           </a:p>
@@ -2511,7 +2511,7 @@
           <a:p>
             <a:fld id="{BE5295ED-3BAF-1140-8495-3D368771D6B1}" type="datetimeFigureOut">
               <a:rPr lang="en-US" smtClean="0"/>
-              <a:t>9/17/21</a:t>
+              <a:t>11/26/21</a:t>
             </a:fld>
             <a:endParaRPr lang="en-US"/>
           </a:p>
@@ -2624,7 +2624,7 @@
           <a:p>
             <a:fld id="{BE5295ED-3BAF-1140-8495-3D368771D6B1}" type="datetimeFigureOut">
               <a:rPr lang="en-US" smtClean="0"/>
-              <a:t>9/17/21</a:t>
+              <a:t>11/26/21</a:t>
             </a:fld>
             <a:endParaRPr lang="en-US"/>
           </a:p>
@@ -2935,7 +2935,7 @@
           <a:p>
             <a:fld id="{BE5295ED-3BAF-1140-8495-3D368771D6B1}" type="datetimeFigureOut">
               <a:rPr lang="en-US" smtClean="0"/>
-              <a:t>9/17/21</a:t>
+              <a:t>11/26/21</a:t>
             </a:fld>
             <a:endParaRPr lang="en-US"/>
           </a:p>
@@ -3226,7 +3226,7 @@
           <a:p>
             <a:fld id="{BE5295ED-3BAF-1140-8495-3D368771D6B1}" type="datetimeFigureOut">
               <a:rPr lang="en-US" smtClean="0"/>
-              <a:t>9/17/21</a:t>
+              <a:t>11/26/21</a:t>
             </a:fld>
             <a:endParaRPr lang="en-US"/>
           </a:p>
@@ -3467,7 +3467,7 @@
           <a:p>
             <a:fld id="{BE5295ED-3BAF-1140-8495-3D368771D6B1}" type="datetimeFigureOut">
               <a:rPr lang="en-US" smtClean="0"/>
-              <a:t>9/17/21</a:t>
+              <a:t>11/26/21</a:t>
             </a:fld>
             <a:endParaRPr lang="en-US"/>
           </a:p>
@@ -4324,7 +4324,7 @@
         </p:nvSpPr>
         <p:spPr>
           <a:xfrm>
-            <a:off x="4034554" y="5004757"/>
+            <a:off x="3572444" y="4852196"/>
             <a:ext cx="3249608" cy="1477328"/>
           </a:xfrm>
           <a:prstGeom prst="rect">
@@ -4454,6 +4454,150 @@
           </a:prstGeom>
         </p:spPr>
       </p:pic>
+      <mc:AlternateContent xmlns:mc="http://schemas.openxmlformats.org/markup-compatibility/2006">
+        <mc:Choice xmlns:a14="http://schemas.microsoft.com/office/drawing/2010/main" Requires="a14">
+          <p:sp>
+            <p:nvSpPr>
+              <p:cNvPr id="7" name="TextBox 6">
+                <a:extLst>
+                  <a:ext uri="{FF2B5EF4-FFF2-40B4-BE49-F238E27FC236}">
+                    <a16:creationId xmlns:a16="http://schemas.microsoft.com/office/drawing/2014/main" id="{139D1C12-1E1C-6B47-9D43-195B092B2FDD}"/>
+                  </a:ext>
+                </a:extLst>
+              </p:cNvPr>
+              <p:cNvSpPr txBox="1"/>
+              <p:nvPr/>
+            </p:nvSpPr>
+            <p:spPr>
+              <a:xfrm>
+                <a:off x="10891691" y="1635682"/>
+                <a:ext cx="1426581" cy="369332"/>
+              </a:xfrm>
+              <a:prstGeom prst="rect">
+                <a:avLst/>
+              </a:prstGeom>
+              <a:noFill/>
+            </p:spPr>
+            <p:txBody>
+              <a:bodyPr wrap="square" rtlCol="0">
+                <a:spAutoFit/>
+              </a:bodyPr>
+              <a:lstStyle/>
+              <a:p>
+                <a14:m>
+                  <m:oMath xmlns:m="http://schemas.openxmlformats.org/officeDocument/2006/math">
+                    <m:r>
+                      <a:rPr lang="en-US" b="0" i="1" smtClean="0">
+                        <a:latin typeface="Cambria Math" panose="02040503050406030204" pitchFamily="18" charset="0"/>
+                      </a:rPr>
+                      <m:t>𝑚</m:t>
+                    </m:r>
+                    <m:r>
+                      <a:rPr lang="en-US" b="0" i="0" smtClean="0">
+                        <a:latin typeface="Cambria Math" panose="02040503050406030204" pitchFamily="18" charset="0"/>
+                      </a:rPr>
+                      <m:t>=2</m:t>
+                    </m:r>
+                  </m:oMath>
+                </a14:m>
+                <a:r>
+                  <a:rPr lang="en-US" dirty="0"/>
+                  <a:t> case</a:t>
+                </a:r>
+              </a:p>
+            </p:txBody>
+          </p:sp>
+        </mc:Choice>
+        <mc:Fallback>
+          <p:sp>
+            <p:nvSpPr>
+              <p:cNvPr id="7" name="TextBox 6">
+                <a:extLst>
+                  <a:ext uri="{FF2B5EF4-FFF2-40B4-BE49-F238E27FC236}">
+                    <a16:creationId xmlns:a16="http://schemas.microsoft.com/office/drawing/2014/main" id="{139D1C12-1E1C-6B47-9D43-195B092B2FDD}"/>
+                  </a:ext>
+                </a:extLst>
+              </p:cNvPr>
+              <p:cNvSpPr txBox="1">
+                <a:spLocks noRot="1" noChangeAspect="1" noMove="1" noResize="1" noEditPoints="1" noAdjustHandles="1" noChangeArrowheads="1" noChangeShapeType="1" noTextEdit="1"/>
+              </p:cNvSpPr>
+              <p:nvPr/>
+            </p:nvSpPr>
+            <p:spPr>
+              <a:xfrm>
+                <a:off x="10891691" y="1635682"/>
+                <a:ext cx="1426581" cy="369332"/>
+              </a:xfrm>
+              <a:prstGeom prst="rect">
+                <a:avLst/>
+              </a:prstGeom>
+              <a:blipFill>
+                <a:blip r:embed="rId5"/>
+                <a:stretch>
+                  <a:fillRect t="-6667" b="-26667"/>
+                </a:stretch>
+              </a:blipFill>
+            </p:spPr>
+            <p:txBody>
+              <a:bodyPr/>
+              <a:lstStyle/>
+              <a:p>
+                <a:r>
+                  <a:rPr lang="en-US">
+                    <a:noFill/>
+                  </a:rPr>
+                  <a:t> </a:t>
+                </a:r>
+              </a:p>
+            </p:txBody>
+          </p:sp>
+        </mc:Fallback>
+      </mc:AlternateContent>
+      <p:sp>
+        <p:nvSpPr>
+          <p:cNvPr id="6" name="TextBox 5">
+            <a:extLst>
+              <a:ext uri="{FF2B5EF4-FFF2-40B4-BE49-F238E27FC236}">
+                <a16:creationId xmlns:a16="http://schemas.microsoft.com/office/drawing/2014/main" id="{0AF242C7-0E5F-5640-9193-D935430353B5}"/>
+              </a:ext>
+            </a:extLst>
+          </p:cNvPr>
+          <p:cNvSpPr txBox="1"/>
+          <p:nvPr/>
+        </p:nvSpPr>
+        <p:spPr>
+          <a:xfrm>
+            <a:off x="0" y="6482085"/>
+            <a:ext cx="6316153" cy="338554"/>
+          </a:xfrm>
+          <a:prstGeom prst="rect">
+            <a:avLst/>
+          </a:prstGeom>
+          <a:noFill/>
+        </p:spPr>
+        <p:txBody>
+          <a:bodyPr wrap="none" rtlCol="0">
+            <a:spAutoFit/>
+          </a:bodyPr>
+          <a:lstStyle/>
+          <a:p>
+            <a:r>
+              <a:rPr lang="en-US" sz="1600" dirty="0"/>
+              <a:t>Probability surface plot courtesy of </a:t>
+            </a:r>
+            <a:r>
+              <a:rPr lang="en-US" sz="1600" dirty="0">
+                <a:hlinkClick r:id="rId6"/>
+              </a:rPr>
+              <a:t>https://github.com/parrt/dtreeviz</a:t>
+            </a:r>
+            <a:r>
+              <a:rPr lang="en-US" sz="1600" dirty="0"/>
+              <a:t> </a:t>
+            </a:r>
+          </a:p>
+        </p:txBody>
+      </p:sp>
     </p:spTree>
     <p:extLst>
       <p:ext uri="{BB962C8B-B14F-4D97-AF65-F5344CB8AC3E}">
@@ -4507,7 +4651,7 @@
           <a:p>
             <a:r>
               <a:rPr lang="en-US" dirty="0"/>
-              <a:t>Stack neurons, add layer</a:t>
+              <a:t>Stack neurons and add layer</a:t>
             </a:r>
           </a:p>
         </p:txBody>
@@ -4831,7 +4975,7 @@
         <p:spPr>
           <a:xfrm>
             <a:off x="4666004" y="0"/>
-            <a:ext cx="7712368" cy="276999"/>
+            <a:ext cx="7364517" cy="276999"/>
           </a:xfrm>
           <a:prstGeom prst="rect">
             <a:avLst/>
@@ -4852,7 +4996,7 @@
               <a:rPr lang="en-US" sz="1200" dirty="0">
                 <a:hlinkClick r:id="rId5"/>
               </a:rPr>
-              <a:t>https://github.com/parrt/fundamentals-of-deep-learning/blob/main/notebooks/5.binary-classifier-wine.ipynb</a:t>
+              <a:t>https://github.com/parrt/msds621/blob/master/notebooks/deep-learning/4.binary-classifier-wine.ipynb</a:t>
             </a:r>
             <a:r>
               <a:rPr lang="en-US" sz="1200" dirty="0"/>
@@ -5408,8 +5552,8 @@
         </p:nvSpPr>
         <p:spPr>
           <a:xfrm>
-            <a:off x="1124073" y="5418822"/>
-            <a:ext cx="4826962" cy="369332"/>
+            <a:off x="269966" y="5418822"/>
+            <a:ext cx="6122189" cy="369332"/>
           </a:xfrm>
           <a:prstGeom prst="rect">
             <a:avLst/>
@@ -5424,7 +5568,7 @@
           <a:p>
             <a:r>
               <a:rPr lang="en-US" dirty="0"/>
-              <a:t>(Last activation function still must be sigmoid)</a:t>
+              <a:t>(Last activation function still must be sigmoid for classifier)</a:t>
             </a:r>
           </a:p>
         </p:txBody>
@@ -5761,8 +5905,8 @@
           </p:sp>
         </mc:Fallback>
       </mc:AlternateContent>
-      <mc:AlternateContent xmlns:mc="http://schemas.openxmlformats.org/markup-compatibility/2006" xmlns:a14="http://schemas.microsoft.com/office/drawing/2010/main">
-        <mc:Choice Requires="a14">
+      <mc:AlternateContent xmlns:mc="http://schemas.openxmlformats.org/markup-compatibility/2006">
+        <mc:Choice xmlns:a14="http://schemas.microsoft.com/office/drawing/2010/main" Requires="a14">
           <p:sp>
             <p:nvSpPr>
               <p:cNvPr id="7" name="TextBox 6">
@@ -5822,13 +5966,13 @@
                 </a14:m>
                 <a:r>
                   <a:rPr lang="en-US" dirty="0"/>
-                  <a:t> is confidence</a:t>
+                  <a:t> is probability</a:t>
                 </a:r>
               </a:p>
               <a:p>
                 <a:r>
                   <a:rPr lang="en-US" dirty="0"/>
-                  <a:t>in class </a:t>
+                  <a:t>of class </a:t>
                 </a:r>
                 <a14:m>
                   <m:oMath xmlns:m="http://schemas.openxmlformats.org/officeDocument/2006/math">
@@ -5845,7 +5989,7 @@
             </p:txBody>
           </p:sp>
         </mc:Choice>
-        <mc:Fallback xmlns="">
+        <mc:Fallback>
           <p:sp>
             <p:nvSpPr>
               <p:cNvPr id="7" name="TextBox 6">
@@ -5871,7 +6015,7 @@
               <a:blipFill>
                 <a:blip r:embed="rId5"/>
                 <a:stretch>
-                  <a:fillRect l="-2797" t="-5769" r="-1399" b="-11538"/>
+                  <a:fillRect l="-2797" t="-5769" b="-11538"/>
                 </a:stretch>
               </a:blipFill>
             </p:spPr>
@@ -5994,8 +6138,8 @@
           </a:p>
         </p:txBody>
       </p:sp>
-      <mc:AlternateContent xmlns:mc="http://schemas.openxmlformats.org/markup-compatibility/2006" xmlns:a14="http://schemas.microsoft.com/office/drawing/2010/main">
-        <mc:Choice Requires="a14">
+      <mc:AlternateContent xmlns:mc="http://schemas.openxmlformats.org/markup-compatibility/2006">
+        <mc:Choice xmlns:a14="http://schemas.microsoft.com/office/drawing/2010/main" Requires="a14">
           <p:sp>
             <p:nvSpPr>
               <p:cNvPr id="12" name="TextBox 11">
@@ -6011,7 +6155,7 @@
             <p:spPr>
               <a:xfrm>
                 <a:off x="10399202" y="693038"/>
-                <a:ext cx="1729128" cy="646331"/>
+                <a:ext cx="1665008" cy="646331"/>
               </a:xfrm>
               <a:prstGeom prst="rect">
                 <a:avLst/>
@@ -6036,19 +6180,19 @@
                 </a14:m>
                 <a:r>
                   <a:rPr lang="en-US" dirty="0"/>
-                  <a:t> is confidence</a:t>
+                  <a:t> is probability</a:t>
                 </a:r>
               </a:p>
               <a:p>
                 <a:r>
                   <a:rPr lang="en-US" dirty="0"/>
-                  <a:t>in class 1</a:t>
+                  <a:t>of class 1</a:t>
                 </a:r>
               </a:p>
             </p:txBody>
           </p:sp>
         </mc:Choice>
-        <mc:Fallback xmlns="">
+        <mc:Fallback>
           <p:sp>
             <p:nvSpPr>
               <p:cNvPr id="12" name="TextBox 11">
@@ -6066,7 +6210,7 @@
             <p:spPr>
               <a:xfrm>
                 <a:off x="10399202" y="693038"/>
-                <a:ext cx="1729128" cy="646331"/>
+                <a:ext cx="1665008" cy="646331"/>
               </a:xfrm>
               <a:prstGeom prst="rect">
                 <a:avLst/>
@@ -6074,7 +6218,7 @@
               <a:blipFill>
                 <a:blip r:embed="rId6"/>
                 <a:stretch>
-                  <a:fillRect l="-2899" t="-3846" r="-1449" b="-13462"/>
+                  <a:fillRect l="-3030" t="-3846" r="-2273" b="-13462"/>
                 </a:stretch>
               </a:blipFill>
             </p:spPr>
@@ -7019,13 +7163,13 @@
           <a:p>
             <a:r>
               <a:rPr lang="en-US" dirty="0"/>
-              <a:t>Refresher: What does training mean?</a:t>
+              <a:t>What does training mean?</a:t>
             </a:r>
           </a:p>
         </p:txBody>
       </p:sp>
-      <mc:AlternateContent xmlns:mc="http://schemas.openxmlformats.org/markup-compatibility/2006" xmlns:a14="http://schemas.microsoft.com/office/drawing/2010/main">
-        <mc:Choice Requires="a14">
+      <mc:AlternateContent xmlns:mc="http://schemas.openxmlformats.org/markup-compatibility/2006">
+        <mc:Choice xmlns:a14="http://schemas.microsoft.com/office/drawing/2010/main" Requires="a14">
           <p:sp>
             <p:nvSpPr>
               <p:cNvPr id="3" name="Content Placeholder 2">
@@ -7042,7 +7186,12 @@
                 <p:ph idx="1"/>
               </p:nvPr>
             </p:nvSpPr>
-            <p:spPr/>
+            <p:spPr>
+              <a:xfrm>
+                <a:off x="838200" y="1825625"/>
+                <a:ext cx="10596824" cy="4351338"/>
+              </a:xfrm>
+            </p:spPr>
             <p:txBody>
               <a:bodyPr>
                 <a:normAutofit/>
@@ -7051,15 +7200,18 @@
               <a:p>
                 <a:r>
                   <a:rPr lang="en-US" dirty="0"/>
-                  <a:t>Making a prediction means running a feature vector through the network</a:t>
+                  <a:t>Making prediction means running feature vector through network</a:t>
                 </a:r>
               </a:p>
               <a:p>
                 <a:pPr lvl="1"/>
                 <a:r>
                   <a:rPr lang="en-US" dirty="0"/>
-                  <a:t>i.e., computing a value using the model parameters; e.g., </a:t>
-                </a:r>
+                  <a:t>That is, computing a value using the model parameters:</a:t>
+                </a:r>
+                <a:br>
+                  <a:rPr lang="en-US" dirty="0"/>
+                </a:br>
                 <a14:m>
                   <m:oMath xmlns:m="http://schemas.openxmlformats.org/officeDocument/2006/math">
                     <m:acc>
@@ -7178,13 +7330,13 @@
               <a:p>
                 <a:r>
                   <a:rPr lang="en-US" dirty="0"/>
-                  <a:t>We have huge search space (of parameters) and it is challenging to find parameters giving low loss</a:t>
+                  <a:t>We have huge search space (of parameters) and it is challenging to find parameters that give low loss</a:t>
                 </a:r>
               </a:p>
             </p:txBody>
           </p:sp>
         </mc:Choice>
-        <mc:Fallback xmlns="">
+        <mc:Fallback>
           <p:sp>
             <p:nvSpPr>
               <p:cNvPr id="3" name="Content Placeholder 2">
@@ -7202,10 +7354,14 @@
               </p:nvPr>
             </p:nvSpPr>
             <p:spPr>
+              <a:xfrm>
+                <a:off x="838200" y="1825625"/>
+                <a:ext cx="10596824" cy="4351338"/>
+              </a:xfrm>
               <a:blipFill>
                 <a:blip r:embed="rId2"/>
                 <a:stretch>
-                  <a:fillRect l="-1086" t="-2326" r="-1327" b="-1744"/>
+                  <a:fillRect l="-1078" t="-2326" r="-1198"/>
                 </a:stretch>
               </a:blipFill>
             </p:spPr>
@@ -7365,8 +7521,8 @@
           </a:p>
         </p:txBody>
       </p:sp>
-      <mc:AlternateContent xmlns:mc="http://schemas.openxmlformats.org/markup-compatibility/2006" xmlns:a14="http://schemas.microsoft.com/office/drawing/2010/main">
-        <mc:Choice Requires="a14">
+      <mc:AlternateContent xmlns:mc="http://schemas.openxmlformats.org/markup-compatibility/2006">
+        <mc:Choice xmlns:a14="http://schemas.microsoft.com/office/drawing/2010/main" Requires="a14">
           <p:sp>
             <p:nvSpPr>
               <p:cNvPr id="3" name="Content Placeholder 2">
@@ -7418,7 +7574,7 @@
                 <a:pPr lvl="1"/>
                 <a:r>
                   <a:rPr lang="en-US" dirty="0"/>
-                  <a:t>Function of actual </a:t>
+                  <a:t>Function of true </a:t>
                 </a:r>
                 <a14:m>
                   <m:oMath xmlns:m="http://schemas.openxmlformats.org/officeDocument/2006/math">
@@ -7432,7 +7588,33 @@
                 </a14:m>
                 <a:r>
                   <a:rPr lang="en-US" dirty="0"/>
-                  <a:t> and estimated probabilities, not predicted class</a:t>
+                  <a:t> and estimated probabilities, </a:t>
+                </a:r>
+                <a14:m>
+                  <m:oMath xmlns:m="http://schemas.openxmlformats.org/officeDocument/2006/math">
+                    <m:acc>
+                      <m:accPr>
+                        <m:chr m:val="̂"/>
+                        <m:ctrlPr>
+                          <a:rPr lang="en-US" i="1" dirty="0" smtClean="0">
+                            <a:latin typeface="Cambria Math" panose="02040503050406030204" pitchFamily="18" charset="0"/>
+                          </a:rPr>
+                        </m:ctrlPr>
+                      </m:accPr>
+                      <m:e>
+                        <m:r>
+                          <a:rPr lang="en-US" b="0" i="1" dirty="0" smtClean="0">
+                            <a:latin typeface="Cambria Math" panose="02040503050406030204" pitchFamily="18" charset="0"/>
+                          </a:rPr>
+                          <m:t>𝑦</m:t>
+                        </m:r>
+                      </m:e>
+                    </m:acc>
+                  </m:oMath>
+                </a14:m>
+                <a:r>
+                  <a:rPr lang="en-US" dirty="0"/>
+                  <a:t>, not predicted class</a:t>
                 </a:r>
               </a:p>
               <a:p>
@@ -7540,7 +7722,7 @@
             </p:txBody>
           </p:sp>
         </mc:Choice>
-        <mc:Fallback xmlns="">
+        <mc:Fallback>
           <p:sp>
             <p:nvSpPr>
               <p:cNvPr id="3" name="Content Placeholder 2">
@@ -7913,7 +8095,7 @@
         <p:spPr>
           <a:xfrm>
             <a:off x="280048" y="6040650"/>
-            <a:ext cx="7279557" cy="769441"/>
+            <a:ext cx="6510115" cy="769441"/>
           </a:xfrm>
           <a:prstGeom prst="rect">
             <a:avLst/>
@@ -7928,7 +8110,7 @@
           <a:p>
             <a:r>
               <a:rPr lang="en-US" sz="2200" dirty="0"/>
-              <a:t>So log loss is average penalty where penalty is very high</a:t>
+              <a:t>So log loss is average penalty; penalty is very high</a:t>
             </a:r>
           </a:p>
           <a:p>
@@ -8035,18 +8217,27 @@
           </a:xfrm>
         </p:spPr>
         <p:txBody>
-          <a:bodyPr/>
+          <a:bodyPr>
+            <a:noAutofit/>
+          </a:bodyPr>
           <a:lstStyle/>
           <a:p>
             <a:r>
-              <a:rPr lang="en-US" dirty="0"/>
+              <a:rPr lang="en-US" sz="3600" dirty="0"/>
+              <a:t>Refresher:</a:t>
+            </a:r>
+            <a:br>
+              <a:rPr lang="en-US" sz="3600" dirty="0"/>
+            </a:br>
+            <a:r>
+              <a:rPr lang="en-US" sz="3600" dirty="0"/>
               <a:t>Minimize loss with</a:t>
             </a:r>
             <a:br>
-              <a:rPr lang="en-US" dirty="0"/>
+              <a:rPr lang="en-US" sz="3600" dirty="0"/>
             </a:br>
             <a:r>
-              <a:rPr lang="en-US" dirty="0"/>
+              <a:rPr lang="en-US" sz="3600" dirty="0"/>
               <a:t>Gradient descent</a:t>
             </a:r>
           </a:p>
@@ -8673,8 +8864,12 @@
           <a:p>
             <a:pPr lvl="1"/>
             <a:r>
-              <a:rPr lang="en-US" dirty="0"/>
-              <a:t>dummy vars for </a:t>
+              <a:rPr lang="en-US" dirty="0" err="1"/>
+              <a:t>onehot</a:t>
+            </a:r>
+            <a:r>
+              <a:rPr lang="en-US" dirty="0"/>
+              <a:t> vars for </a:t>
             </a:r>
             <a:r>
               <a:rPr lang="en-US" dirty="0" err="1"/>
@@ -8736,7 +8931,7 @@
             </a:pPr>
             <a:r>
               <a:rPr lang="en-US" dirty="0"/>
-              <a:t>Run training loop (until validation error goes up or num iterations)</a:t>
+              <a:t>Run training loop (until validation error goes up or num epochs)</a:t>
             </a:r>
           </a:p>
           <a:p>
@@ -10762,8 +10957,8 @@
           </a:p>
         </p:txBody>
       </p:sp>
-      <mc:AlternateContent xmlns:mc="http://schemas.openxmlformats.org/markup-compatibility/2006" xmlns:a14="http://schemas.microsoft.com/office/drawing/2010/main">
-        <mc:Choice Requires="a14">
+      <mc:AlternateContent xmlns:mc="http://schemas.openxmlformats.org/markup-compatibility/2006">
+        <mc:Choice xmlns:a14="http://schemas.microsoft.com/office/drawing/2010/main" Requires="a14">
           <p:sp>
             <p:nvSpPr>
               <p:cNvPr id="3" name="Content Placeholder 2">
@@ -11097,7 +11292,7 @@
                 </a:r>
                 <a:r>
                   <a:rPr lang="en-US" dirty="0"/>
-                  <a:t>; layer is a stack of </a:t>
+                  <a:t>; a layer is a stack of </a:t>
                 </a:r>
                 <a:r>
                   <a:rPr lang="en-US" i="1" dirty="0"/>
@@ -11123,7 +11318,7 @@
               <a:p>
                 <a:r>
                   <a:rPr lang="en-US" dirty="0"/>
-                  <a:t>Transform raw </a:t>
+                  <a:t>Transforms raw </a:t>
                 </a:r>
                 <a14:m>
                   <m:oMath xmlns:m="http://schemas.openxmlformats.org/officeDocument/2006/math">
@@ -11144,7 +11339,7 @@
             </p:txBody>
           </p:sp>
         </mc:Choice>
-        <mc:Fallback xmlns="">
+        <mc:Fallback>
           <p:sp>
             <p:nvSpPr>
               <p:cNvPr id="3" name="Content Placeholder 2">
@@ -12604,6 +12799,105 @@
           </p:sp>
         </mc:Fallback>
       </mc:AlternateContent>
+      <mc:AlternateContent xmlns:mc="http://schemas.openxmlformats.org/markup-compatibility/2006">
+        <mc:Choice xmlns:a14="http://schemas.microsoft.com/office/drawing/2010/main" Requires="a14">
+          <p:sp>
+            <p:nvSpPr>
+              <p:cNvPr id="4" name="TextBox 3">
+                <a:extLst>
+                  <a:ext uri="{FF2B5EF4-FFF2-40B4-BE49-F238E27FC236}">
+                    <a16:creationId xmlns:a16="http://schemas.microsoft.com/office/drawing/2014/main" id="{F6E02765-D9D0-CD40-9B83-255A7621B683}"/>
+                  </a:ext>
+                </a:extLst>
+              </p:cNvPr>
+              <p:cNvSpPr txBox="1"/>
+              <p:nvPr/>
+            </p:nvSpPr>
+            <p:spPr>
+              <a:xfrm>
+                <a:off x="10683268" y="2482917"/>
+                <a:ext cx="1426581" cy="369332"/>
+              </a:xfrm>
+              <a:prstGeom prst="rect">
+                <a:avLst/>
+              </a:prstGeom>
+              <a:noFill/>
+            </p:spPr>
+            <p:txBody>
+              <a:bodyPr wrap="square" rtlCol="0">
+                <a:spAutoFit/>
+              </a:bodyPr>
+              <a:lstStyle/>
+              <a:p>
+                <a14:m>
+                  <m:oMath xmlns:m="http://schemas.openxmlformats.org/officeDocument/2006/math">
+                    <m:r>
+                      <a:rPr lang="en-US" b="0" i="1" smtClean="0">
+                        <a:latin typeface="Cambria Math" panose="02040503050406030204" pitchFamily="18" charset="0"/>
+                      </a:rPr>
+                      <m:t>𝑚</m:t>
+                    </m:r>
+                    <m:r>
+                      <a:rPr lang="en-US" b="0" i="0" smtClean="0">
+                        <a:latin typeface="Cambria Math" panose="02040503050406030204" pitchFamily="18" charset="0"/>
+                      </a:rPr>
+                      <m:t>=1</m:t>
+                    </m:r>
+                  </m:oMath>
+                </a14:m>
+                <a:r>
+                  <a:rPr lang="en-US" dirty="0"/>
+                  <a:t> case</a:t>
+                </a:r>
+              </a:p>
+            </p:txBody>
+          </p:sp>
+        </mc:Choice>
+        <mc:Fallback>
+          <p:sp>
+            <p:nvSpPr>
+              <p:cNvPr id="4" name="TextBox 3">
+                <a:extLst>
+                  <a:ext uri="{FF2B5EF4-FFF2-40B4-BE49-F238E27FC236}">
+                    <a16:creationId xmlns:a16="http://schemas.microsoft.com/office/drawing/2014/main" id="{F6E02765-D9D0-CD40-9B83-255A7621B683}"/>
+                  </a:ext>
+                </a:extLst>
+              </p:cNvPr>
+              <p:cNvSpPr txBox="1">
+                <a:spLocks noRot="1" noChangeAspect="1" noMove="1" noResize="1" noEditPoints="1" noAdjustHandles="1" noChangeArrowheads="1" noChangeShapeType="1" noTextEdit="1"/>
+              </p:cNvSpPr>
+              <p:nvPr/>
+            </p:nvSpPr>
+            <p:spPr>
+              <a:xfrm>
+                <a:off x="10683268" y="2482917"/>
+                <a:ext cx="1426581" cy="369332"/>
+              </a:xfrm>
+              <a:prstGeom prst="rect">
+                <a:avLst/>
+              </a:prstGeom>
+              <a:blipFill>
+                <a:blip r:embed="rId11"/>
+                <a:stretch>
+                  <a:fillRect t="-6667" b="-26667"/>
+                </a:stretch>
+              </a:blipFill>
+            </p:spPr>
+            <p:txBody>
+              <a:bodyPr/>
+              <a:lstStyle/>
+              <a:p>
+                <a:r>
+                  <a:rPr lang="en-US">
+                    <a:noFill/>
+                  </a:rPr>
+                  <a:t> </a:t>
+                </a:r>
+              </a:p>
+            </p:txBody>
+          </p:sp>
+        </mc:Fallback>
+      </mc:AlternateContent>
     </p:spTree>
     <p:extLst>
       <p:ext uri="{BB962C8B-B14F-4D97-AF65-F5344CB8AC3E}">
@@ -13037,6 +13331,105 @@
           </a:prstGeom>
         </p:spPr>
       </p:pic>
+      <mc:AlternateContent xmlns:mc="http://schemas.openxmlformats.org/markup-compatibility/2006">
+        <mc:Choice xmlns:a14="http://schemas.microsoft.com/office/drawing/2010/main" Requires="a14">
+          <p:sp>
+            <p:nvSpPr>
+              <p:cNvPr id="9" name="TextBox 8">
+                <a:extLst>
+                  <a:ext uri="{FF2B5EF4-FFF2-40B4-BE49-F238E27FC236}">
+                    <a16:creationId xmlns:a16="http://schemas.microsoft.com/office/drawing/2014/main" id="{934FFF77-9C77-4941-9A70-1E75E8CBD0EE}"/>
+                  </a:ext>
+                </a:extLst>
+              </p:cNvPr>
+              <p:cNvSpPr txBox="1"/>
+              <p:nvPr/>
+            </p:nvSpPr>
+            <p:spPr>
+              <a:xfrm>
+                <a:off x="10765419" y="2976225"/>
+                <a:ext cx="1426581" cy="369332"/>
+              </a:xfrm>
+              <a:prstGeom prst="rect">
+                <a:avLst/>
+              </a:prstGeom>
+              <a:noFill/>
+            </p:spPr>
+            <p:txBody>
+              <a:bodyPr wrap="square" rtlCol="0">
+                <a:spAutoFit/>
+              </a:bodyPr>
+              <a:lstStyle/>
+              <a:p>
+                <a14:m>
+                  <m:oMath xmlns:m="http://schemas.openxmlformats.org/officeDocument/2006/math">
+                    <m:r>
+                      <a:rPr lang="en-US" b="0" i="1" smtClean="0">
+                        <a:latin typeface="Cambria Math" panose="02040503050406030204" pitchFamily="18" charset="0"/>
+                      </a:rPr>
+                      <m:t>𝑚</m:t>
+                    </m:r>
+                    <m:r>
+                      <a:rPr lang="en-US" b="0" i="0" smtClean="0">
+                        <a:latin typeface="Cambria Math" panose="02040503050406030204" pitchFamily="18" charset="0"/>
+                      </a:rPr>
+                      <m:t>=1</m:t>
+                    </m:r>
+                  </m:oMath>
+                </a14:m>
+                <a:r>
+                  <a:rPr lang="en-US" dirty="0"/>
+                  <a:t> case</a:t>
+                </a:r>
+              </a:p>
+            </p:txBody>
+          </p:sp>
+        </mc:Choice>
+        <mc:Fallback>
+          <p:sp>
+            <p:nvSpPr>
+              <p:cNvPr id="9" name="TextBox 8">
+                <a:extLst>
+                  <a:ext uri="{FF2B5EF4-FFF2-40B4-BE49-F238E27FC236}">
+                    <a16:creationId xmlns:a16="http://schemas.microsoft.com/office/drawing/2014/main" id="{934FFF77-9C77-4941-9A70-1E75E8CBD0EE}"/>
+                  </a:ext>
+                </a:extLst>
+              </p:cNvPr>
+              <p:cNvSpPr txBox="1">
+                <a:spLocks noRot="1" noChangeAspect="1" noMove="1" noResize="1" noEditPoints="1" noAdjustHandles="1" noChangeArrowheads="1" noChangeShapeType="1" noTextEdit="1"/>
+              </p:cNvSpPr>
+              <p:nvPr/>
+            </p:nvSpPr>
+            <p:spPr>
+              <a:xfrm>
+                <a:off x="10765419" y="2976225"/>
+                <a:ext cx="1426581" cy="369332"/>
+              </a:xfrm>
+              <a:prstGeom prst="rect">
+                <a:avLst/>
+              </a:prstGeom>
+              <a:blipFill>
+                <a:blip r:embed="rId6"/>
+                <a:stretch>
+                  <a:fillRect t="-6667" b="-26667"/>
+                </a:stretch>
+              </a:blipFill>
+            </p:spPr>
+            <p:txBody>
+              <a:bodyPr/>
+              <a:lstStyle/>
+              <a:p>
+                <a:r>
+                  <a:rPr lang="en-US">
+                    <a:noFill/>
+                  </a:rPr>
+                  <a:t> </a:t>
+                </a:r>
+              </a:p>
+            </p:txBody>
+          </p:sp>
+        </mc:Fallback>
+      </mc:AlternateContent>
     </p:spTree>
     <p:extLst>
       <p:ext uri="{BB962C8B-B14F-4D97-AF65-F5344CB8AC3E}">
@@ -14855,6 +15248,105 @@
           </a:p>
         </p:txBody>
       </p:sp>
+      <mc:AlternateContent xmlns:mc="http://schemas.openxmlformats.org/markup-compatibility/2006">
+        <mc:Choice xmlns:a14="http://schemas.microsoft.com/office/drawing/2010/main" Requires="a14">
+          <p:sp>
+            <p:nvSpPr>
+              <p:cNvPr id="12" name="TextBox 11">
+                <a:extLst>
+                  <a:ext uri="{FF2B5EF4-FFF2-40B4-BE49-F238E27FC236}">
+                    <a16:creationId xmlns:a16="http://schemas.microsoft.com/office/drawing/2014/main" id="{0C2A8A0D-705B-0940-8C83-8BDF275744F7}"/>
+                  </a:ext>
+                </a:extLst>
+              </p:cNvPr>
+              <p:cNvSpPr txBox="1"/>
+              <p:nvPr/>
+            </p:nvSpPr>
+            <p:spPr>
+              <a:xfrm>
+                <a:off x="6327201" y="3565936"/>
+                <a:ext cx="1426581" cy="369332"/>
+              </a:xfrm>
+              <a:prstGeom prst="rect">
+                <a:avLst/>
+              </a:prstGeom>
+              <a:noFill/>
+            </p:spPr>
+            <p:txBody>
+              <a:bodyPr wrap="square" rtlCol="0">
+                <a:spAutoFit/>
+              </a:bodyPr>
+              <a:lstStyle/>
+              <a:p>
+                <a14:m>
+                  <m:oMath xmlns:m="http://schemas.openxmlformats.org/officeDocument/2006/math">
+                    <m:r>
+                      <a:rPr lang="en-US" b="0" i="1" smtClean="0">
+                        <a:latin typeface="Cambria Math" panose="02040503050406030204" pitchFamily="18" charset="0"/>
+                      </a:rPr>
+                      <m:t>𝑚</m:t>
+                    </m:r>
+                    <m:r>
+                      <a:rPr lang="en-US" b="0" i="0" smtClean="0">
+                        <a:latin typeface="Cambria Math" panose="02040503050406030204" pitchFamily="18" charset="0"/>
+                      </a:rPr>
+                      <m:t>=1</m:t>
+                    </m:r>
+                  </m:oMath>
+                </a14:m>
+                <a:r>
+                  <a:rPr lang="en-US" dirty="0"/>
+                  <a:t> case</a:t>
+                </a:r>
+              </a:p>
+            </p:txBody>
+          </p:sp>
+        </mc:Choice>
+        <mc:Fallback>
+          <p:sp>
+            <p:nvSpPr>
+              <p:cNvPr id="12" name="TextBox 11">
+                <a:extLst>
+                  <a:ext uri="{FF2B5EF4-FFF2-40B4-BE49-F238E27FC236}">
+                    <a16:creationId xmlns:a16="http://schemas.microsoft.com/office/drawing/2014/main" id="{0C2A8A0D-705B-0940-8C83-8BDF275744F7}"/>
+                  </a:ext>
+                </a:extLst>
+              </p:cNvPr>
+              <p:cNvSpPr txBox="1">
+                <a:spLocks noRot="1" noChangeAspect="1" noMove="1" noResize="1" noEditPoints="1" noAdjustHandles="1" noChangeArrowheads="1" noChangeShapeType="1" noTextEdit="1"/>
+              </p:cNvSpPr>
+              <p:nvPr/>
+            </p:nvSpPr>
+            <p:spPr>
+              <a:xfrm>
+                <a:off x="6327201" y="3565936"/>
+                <a:ext cx="1426581" cy="369332"/>
+              </a:xfrm>
+              <a:prstGeom prst="rect">
+                <a:avLst/>
+              </a:prstGeom>
+              <a:blipFill>
+                <a:blip r:embed="rId13"/>
+                <a:stretch>
+                  <a:fillRect t="-6452" b="-22581"/>
+                </a:stretch>
+              </a:blipFill>
+            </p:spPr>
+            <p:txBody>
+              <a:bodyPr/>
+              <a:lstStyle/>
+              <a:p>
+                <a:r>
+                  <a:rPr lang="en-US">
+                    <a:noFill/>
+                  </a:rPr>
+                  <a:t> </a:t>
+                </a:r>
+              </a:p>
+            </p:txBody>
+          </p:sp>
+        </mc:Fallback>
+      </mc:AlternateContent>
     </p:spTree>
     <p:extLst>
       <p:ext uri="{BB962C8B-B14F-4D97-AF65-F5344CB8AC3E}">
